--- a/CLASES/Kata_3/CLASE_15/BDF.pptx
+++ b/CLASES/Kata_3/CLASE_15/BDF.pptx
@@ -106,6 +106,11 @@
       </a:defRPr>
     </a:lvl9pPr>
   </p:defaultTextStyle>
+  <p:extLst>
+    <p:ext uri="{EFAFB233-063F-42B5-8137-9DF3F51BA10A}">
+      <p15:sldGuideLst xmlns:p15="http://schemas.microsoft.com/office/powerpoint/2012/main"/>
+    </p:ext>
+  </p:extLst>
 </p:presentation>
 </file>
 
@@ -258,7 +263,7 @@
           <a:p>
             <a:fld id="{2BD85B64-357A-446D-B433-73CEE8546F01}" type="datetimeFigureOut">
               <a:rPr lang="es-MX" smtClean="0"/>
-              <a:t>29/05/2023</a:t>
+              <a:t>19/06/2023</a:t>
             </a:fld>
             <a:endParaRPr lang="es-MX"/>
           </a:p>
@@ -458,7 +463,7 @@
           <a:p>
             <a:fld id="{2BD85B64-357A-446D-B433-73CEE8546F01}" type="datetimeFigureOut">
               <a:rPr lang="es-MX" smtClean="0"/>
-              <a:t>29/05/2023</a:t>
+              <a:t>19/06/2023</a:t>
             </a:fld>
             <a:endParaRPr lang="es-MX"/>
           </a:p>
@@ -668,7 +673,7 @@
           <a:p>
             <a:fld id="{2BD85B64-357A-446D-B433-73CEE8546F01}" type="datetimeFigureOut">
               <a:rPr lang="es-MX" smtClean="0"/>
-              <a:t>29/05/2023</a:t>
+              <a:t>19/06/2023</a:t>
             </a:fld>
             <a:endParaRPr lang="es-MX"/>
           </a:p>
@@ -868,7 +873,7 @@
           <a:p>
             <a:fld id="{2BD85B64-357A-446D-B433-73CEE8546F01}" type="datetimeFigureOut">
               <a:rPr lang="es-MX" smtClean="0"/>
-              <a:t>29/05/2023</a:t>
+              <a:t>19/06/2023</a:t>
             </a:fld>
             <a:endParaRPr lang="es-MX"/>
           </a:p>
@@ -1144,7 +1149,7 @@
           <a:p>
             <a:fld id="{2BD85B64-357A-446D-B433-73CEE8546F01}" type="datetimeFigureOut">
               <a:rPr lang="es-MX" smtClean="0"/>
-              <a:t>29/05/2023</a:t>
+              <a:t>19/06/2023</a:t>
             </a:fld>
             <a:endParaRPr lang="es-MX"/>
           </a:p>
@@ -1412,7 +1417,7 @@
           <a:p>
             <a:fld id="{2BD85B64-357A-446D-B433-73CEE8546F01}" type="datetimeFigureOut">
               <a:rPr lang="es-MX" smtClean="0"/>
-              <a:t>29/05/2023</a:t>
+              <a:t>19/06/2023</a:t>
             </a:fld>
             <a:endParaRPr lang="es-MX"/>
           </a:p>
@@ -1827,7 +1832,7 @@
           <a:p>
             <a:fld id="{2BD85B64-357A-446D-B433-73CEE8546F01}" type="datetimeFigureOut">
               <a:rPr lang="es-MX" smtClean="0"/>
-              <a:t>29/05/2023</a:t>
+              <a:t>19/06/2023</a:t>
             </a:fld>
             <a:endParaRPr lang="es-MX"/>
           </a:p>
@@ -1969,7 +1974,7 @@
           <a:p>
             <a:fld id="{2BD85B64-357A-446D-B433-73CEE8546F01}" type="datetimeFigureOut">
               <a:rPr lang="es-MX" smtClean="0"/>
-              <a:t>29/05/2023</a:t>
+              <a:t>19/06/2023</a:t>
             </a:fld>
             <a:endParaRPr lang="es-MX"/>
           </a:p>
@@ -2082,7 +2087,7 @@
           <a:p>
             <a:fld id="{2BD85B64-357A-446D-B433-73CEE8546F01}" type="datetimeFigureOut">
               <a:rPr lang="es-MX" smtClean="0"/>
-              <a:t>29/05/2023</a:t>
+              <a:t>19/06/2023</a:t>
             </a:fld>
             <a:endParaRPr lang="es-MX"/>
           </a:p>
@@ -2395,7 +2400,7 @@
           <a:p>
             <a:fld id="{2BD85B64-357A-446D-B433-73CEE8546F01}" type="datetimeFigureOut">
               <a:rPr lang="es-MX" smtClean="0"/>
-              <a:t>29/05/2023</a:t>
+              <a:t>19/06/2023</a:t>
             </a:fld>
             <a:endParaRPr lang="es-MX"/>
           </a:p>
@@ -2684,7 +2689,7 @@
           <a:p>
             <a:fld id="{2BD85B64-357A-446D-B433-73CEE8546F01}" type="datetimeFigureOut">
               <a:rPr lang="es-MX" smtClean="0"/>
-              <a:t>29/05/2023</a:t>
+              <a:t>19/06/2023</a:t>
             </a:fld>
             <a:endParaRPr lang="es-MX"/>
           </a:p>
@@ -2927,7 +2932,7 @@
           <a:p>
             <a:fld id="{2BD85B64-357A-446D-B433-73CEE8546F01}" type="datetimeFigureOut">
               <a:rPr lang="es-MX" smtClean="0"/>
-              <a:t>29/05/2023</a:t>
+              <a:t>19/06/2023</a:t>
             </a:fld>
             <a:endParaRPr lang="es-MX"/>
           </a:p>
@@ -5328,8 +5333,8 @@
         </p:nvSpPr>
         <p:spPr>
           <a:xfrm>
-            <a:off x="1988629" y="3761232"/>
-            <a:ext cx="1381125" cy="557784"/>
+            <a:off x="1063684" y="3761232"/>
+            <a:ext cx="3245537" cy="557784"/>
           </a:xfrm>
           <a:prstGeom prst="flowChartDecision">
             <a:avLst/>
@@ -5365,17 +5370,17 @@
                   <a:schemeClr val="bg1"/>
                 </a:solidFill>
               </a:rPr>
-              <a:t>A &gt; B</a:t>
-            </a:r>
-          </a:p>
-        </p:txBody>
-      </p:sp>
-      <p:sp>
-        <p:nvSpPr>
-          <p:cNvPr id="33" name="Diagrama de flujo: decisión 32">
-            <a:extLst>
-              <a:ext uri="{FF2B5EF4-FFF2-40B4-BE49-F238E27FC236}">
-                <a16:creationId xmlns:a16="http://schemas.microsoft.com/office/drawing/2014/main" id="{3B49E776-0E5A-46C3-A09F-03E49A1593E0}"/>
+              <a:t>A &gt; B &amp; A &gt; C</a:t>
+            </a:r>
+          </a:p>
+        </p:txBody>
+      </p:sp>
+      <p:sp>
+        <p:nvSpPr>
+          <p:cNvPr id="34" name="Diagrama de flujo: datos 33">
+            <a:extLst>
+              <a:ext uri="{FF2B5EF4-FFF2-40B4-BE49-F238E27FC236}">
+                <a16:creationId xmlns:a16="http://schemas.microsoft.com/office/drawing/2014/main" id="{DAEC9344-FF2A-43CA-A0BC-3DB14B870B9D}"/>
               </a:ext>
             </a:extLst>
           </p:cNvPr>
@@ -5384,14 +5389,14 @@
         </p:nvSpPr>
         <p:spPr>
           <a:xfrm>
-            <a:off x="3594925" y="3761232"/>
-            <a:ext cx="1381125" cy="557784"/>
-          </a:xfrm>
-          <a:prstGeom prst="flowChartDecision">
+            <a:off x="5367526" y="542290"/>
+            <a:ext cx="2555712" cy="557784"/>
+          </a:xfrm>
+          <a:prstGeom prst="flowChartInputOutput">
             <a:avLst/>
           </a:prstGeom>
           <a:solidFill>
-            <a:srgbClr val="FFC000"/>
+            <a:srgbClr val="92D050"/>
           </a:solidFill>
         </p:spPr>
         <p:style>
@@ -5416,22 +5421,18 @@
           <a:p>
             <a:pPr algn="ctr"/>
             <a:r>
-              <a:rPr lang="es-MX" dirty="0">
-                <a:solidFill>
-                  <a:schemeClr val="bg1"/>
-                </a:solidFill>
-              </a:rPr>
-              <a:t>A &gt; C</a:t>
-            </a:r>
-          </a:p>
-        </p:txBody>
-      </p:sp>
-      <p:sp>
-        <p:nvSpPr>
-          <p:cNvPr id="34" name="Diagrama de flujo: datos 33">
-            <a:extLst>
-              <a:ext uri="{FF2B5EF4-FFF2-40B4-BE49-F238E27FC236}">
-                <a16:creationId xmlns:a16="http://schemas.microsoft.com/office/drawing/2014/main" id="{DAEC9344-FF2A-43CA-A0BC-3DB14B870B9D}"/>
+              <a:rPr lang="es-MX" dirty="0"/>
+              <a:t>A es el mayor</a:t>
+            </a:r>
+          </a:p>
+        </p:txBody>
+      </p:sp>
+      <p:sp>
+        <p:nvSpPr>
+          <p:cNvPr id="35" name="Diagrama de flujo: decisión 34">
+            <a:extLst>
+              <a:ext uri="{FF2B5EF4-FFF2-40B4-BE49-F238E27FC236}">
+                <a16:creationId xmlns:a16="http://schemas.microsoft.com/office/drawing/2014/main" id="{BA7ECE7E-F3BA-43D5-9871-4A59D6C75BD1}"/>
               </a:ext>
             </a:extLst>
           </p:cNvPr>
@@ -5440,14 +5441,14 @@
         </p:nvSpPr>
         <p:spPr>
           <a:xfrm>
-            <a:off x="5367526" y="542290"/>
-            <a:ext cx="2555712" cy="557784"/>
-          </a:xfrm>
-          <a:prstGeom prst="flowChartInputOutput">
+            <a:off x="1988629" y="4486656"/>
+            <a:ext cx="1381125" cy="557784"/>
+          </a:xfrm>
+          <a:prstGeom prst="flowChartDecision">
             <a:avLst/>
           </a:prstGeom>
           <a:solidFill>
-            <a:srgbClr val="92D050"/>
+            <a:srgbClr val="FFC000"/>
           </a:solidFill>
         </p:spPr>
         <p:style>
@@ -5472,18 +5473,22 @@
           <a:p>
             <a:pPr algn="ctr"/>
             <a:r>
-              <a:rPr lang="es-MX" dirty="0"/>
-              <a:t>A es el mayor</a:t>
-            </a:r>
-          </a:p>
-        </p:txBody>
-      </p:sp>
-      <p:sp>
-        <p:nvSpPr>
-          <p:cNvPr id="35" name="Diagrama de flujo: decisión 34">
-            <a:extLst>
-              <a:ext uri="{FF2B5EF4-FFF2-40B4-BE49-F238E27FC236}">
-                <a16:creationId xmlns:a16="http://schemas.microsoft.com/office/drawing/2014/main" id="{BA7ECE7E-F3BA-43D5-9871-4A59D6C75BD1}"/>
+              <a:rPr lang="es-MX" dirty="0">
+                <a:solidFill>
+                  <a:schemeClr val="bg1"/>
+                </a:solidFill>
+              </a:rPr>
+              <a:t>B &gt; C</a:t>
+            </a:r>
+          </a:p>
+        </p:txBody>
+      </p:sp>
+      <p:sp>
+        <p:nvSpPr>
+          <p:cNvPr id="36" name="Diagrama de flujo: datos 35">
+            <a:extLst>
+              <a:ext uri="{FF2B5EF4-FFF2-40B4-BE49-F238E27FC236}">
+                <a16:creationId xmlns:a16="http://schemas.microsoft.com/office/drawing/2014/main" id="{6C9AFEF7-5C95-4DEB-A991-0E5FCA3DAD21}"/>
               </a:ext>
             </a:extLst>
           </p:cNvPr>
@@ -5492,14 +5497,14 @@
         </p:nvSpPr>
         <p:spPr>
           <a:xfrm>
-            <a:off x="1988629" y="4486656"/>
-            <a:ext cx="1381125" cy="557784"/>
-          </a:xfrm>
-          <a:prstGeom prst="flowChartDecision">
+            <a:off x="5219046" y="3091307"/>
+            <a:ext cx="2555712" cy="557784"/>
+          </a:xfrm>
+          <a:prstGeom prst="flowChartInputOutput">
             <a:avLst/>
           </a:prstGeom>
           <a:solidFill>
-            <a:srgbClr val="FFC000"/>
+            <a:srgbClr val="92D050"/>
           </a:solidFill>
         </p:spPr>
         <p:style>
@@ -5524,22 +5529,18 @@
           <a:p>
             <a:pPr algn="ctr"/>
             <a:r>
-              <a:rPr lang="es-MX" dirty="0">
-                <a:solidFill>
-                  <a:schemeClr val="bg1"/>
-                </a:solidFill>
-              </a:rPr>
-              <a:t>B &gt; C</a:t>
-            </a:r>
-          </a:p>
-        </p:txBody>
-      </p:sp>
-      <p:sp>
-        <p:nvSpPr>
-          <p:cNvPr id="36" name="Diagrama de flujo: datos 35">
-            <a:extLst>
-              <a:ext uri="{FF2B5EF4-FFF2-40B4-BE49-F238E27FC236}">
-                <a16:creationId xmlns:a16="http://schemas.microsoft.com/office/drawing/2014/main" id="{6C9AFEF7-5C95-4DEB-A991-0E5FCA3DAD21}"/>
+              <a:rPr lang="es-MX" dirty="0"/>
+              <a:t>B es el mayor</a:t>
+            </a:r>
+          </a:p>
+        </p:txBody>
+      </p:sp>
+      <p:sp>
+        <p:nvSpPr>
+          <p:cNvPr id="37" name="Diagrama de flujo: datos 36">
+            <a:extLst>
+              <a:ext uri="{FF2B5EF4-FFF2-40B4-BE49-F238E27FC236}">
+                <a16:creationId xmlns:a16="http://schemas.microsoft.com/office/drawing/2014/main" id="{C46A7F3B-312C-4B88-98A5-A7A5A990AF98}"/>
               </a:ext>
             </a:extLst>
           </p:cNvPr>
@@ -5548,7 +5549,7 @@
         </p:nvSpPr>
         <p:spPr>
           <a:xfrm>
-            <a:off x="5219046" y="3091307"/>
+            <a:off x="1401335" y="5212080"/>
             <a:ext cx="2555712" cy="557784"/>
           </a:xfrm>
           <a:prstGeom prst="flowChartInputOutput">
@@ -5581,58 +5582,6 @@
             <a:pPr algn="ctr"/>
             <a:r>
               <a:rPr lang="es-MX" dirty="0"/>
-              <a:t>B es el mayor</a:t>
-            </a:r>
-          </a:p>
-        </p:txBody>
-      </p:sp>
-      <p:sp>
-        <p:nvSpPr>
-          <p:cNvPr id="37" name="Diagrama de flujo: datos 36">
-            <a:extLst>
-              <a:ext uri="{FF2B5EF4-FFF2-40B4-BE49-F238E27FC236}">
-                <a16:creationId xmlns:a16="http://schemas.microsoft.com/office/drawing/2014/main" id="{C46A7F3B-312C-4B88-98A5-A7A5A990AF98}"/>
-              </a:ext>
-            </a:extLst>
-          </p:cNvPr>
-          <p:cNvSpPr/>
-          <p:nvPr/>
-        </p:nvSpPr>
-        <p:spPr>
-          <a:xfrm>
-            <a:off x="1401335" y="5212080"/>
-            <a:ext cx="2555712" cy="557784"/>
-          </a:xfrm>
-          <a:prstGeom prst="flowChartInputOutput">
-            <a:avLst/>
-          </a:prstGeom>
-          <a:solidFill>
-            <a:srgbClr val="92D050"/>
-          </a:solidFill>
-        </p:spPr>
-        <p:style>
-          <a:lnRef idx="2">
-            <a:schemeClr val="accent1">
-              <a:shade val="50000"/>
-            </a:schemeClr>
-          </a:lnRef>
-          <a:fillRef idx="1">
-            <a:schemeClr val="accent1"/>
-          </a:fillRef>
-          <a:effectRef idx="0">
-            <a:schemeClr val="accent1"/>
-          </a:effectRef>
-          <a:fontRef idx="minor">
-            <a:schemeClr val="lt1"/>
-          </a:fontRef>
-        </p:style>
-        <p:txBody>
-          <a:bodyPr rtlCol="0" anchor="ctr"/>
-          <a:lstStyle/>
-          <a:p>
-            <a:pPr algn="ctr"/>
-            <a:r>
-              <a:rPr lang="es-MX" dirty="0"/>
               <a:t>C es el mayor</a:t>
             </a:r>
           </a:p>
@@ -5657,49 +5606,7 @@
         <p:spPr>
           <a:xfrm>
             <a:off x="2679192" y="3593592"/>
-            <a:ext cx="0" cy="167640"/>
-          </a:xfrm>
-          <a:prstGeom prst="straightConnector1">
-            <a:avLst/>
-          </a:prstGeom>
-          <a:ln>
-            <a:tailEnd type="triangle"/>
-          </a:ln>
-        </p:spPr>
-        <p:style>
-          <a:lnRef idx="1">
-            <a:schemeClr val="accent1"/>
-          </a:lnRef>
-          <a:fillRef idx="0">
-            <a:schemeClr val="accent1"/>
-          </a:fillRef>
-          <a:effectRef idx="0">
-            <a:schemeClr val="accent1"/>
-          </a:effectRef>
-          <a:fontRef idx="minor">
-            <a:schemeClr val="tx1"/>
-          </a:fontRef>
-        </p:style>
-      </p:cxnSp>
-      <p:cxnSp>
-        <p:nvCxnSpPr>
-          <p:cNvPr id="42" name="Conector recto de flecha 41">
-            <a:extLst>
-              <a:ext uri="{FF2B5EF4-FFF2-40B4-BE49-F238E27FC236}">
-                <a16:creationId xmlns:a16="http://schemas.microsoft.com/office/drawing/2014/main" id="{2013C74B-A821-4E52-81C0-5EFF8B3D77B5}"/>
-              </a:ext>
-            </a:extLst>
-          </p:cNvPr>
-          <p:cNvCxnSpPr>
-            <a:stCxn id="32" idx="3"/>
-            <a:endCxn id="33" idx="1"/>
-          </p:cNvCxnSpPr>
-          <p:nvPr/>
-        </p:nvCxnSpPr>
-        <p:spPr>
-          <a:xfrm>
-            <a:off x="3369754" y="4040124"/>
-            <a:ext cx="225171" cy="0"/>
+            <a:ext cx="7261" cy="167640"/>
           </a:xfrm>
           <a:prstGeom prst="straightConnector1">
             <a:avLst/>
@@ -5733,15 +5640,16 @@
             </a:extLst>
           </p:cNvPr>
           <p:cNvCxnSpPr>
+            <a:cxnSpLocks/>
             <a:stCxn id="32" idx="2"/>
             <a:endCxn id="35" idx="0"/>
           </p:cNvCxnSpPr>
           <p:nvPr/>
         </p:nvCxnSpPr>
         <p:spPr>
-          <a:xfrm>
+          <a:xfrm flipH="1">
             <a:off x="2679192" y="4319016"/>
-            <a:ext cx="0" cy="167640"/>
+            <a:ext cx="7261" cy="167640"/>
           </a:xfrm>
           <a:prstGeom prst="straightConnector1">
             <a:avLst/>
@@ -6348,15 +6256,16 @@
             </a:extLst>
           </p:cNvPr>
           <p:cNvCxnSpPr>
-            <a:stCxn id="33" idx="3"/>
+            <a:cxnSpLocks/>
+            <a:stCxn id="32" idx="3"/>
             <a:endCxn id="34" idx="2"/>
           </p:cNvCxnSpPr>
           <p:nvPr/>
         </p:nvCxnSpPr>
         <p:spPr>
           <a:xfrm flipV="1">
-            <a:off x="4976050" y="821182"/>
-            <a:ext cx="647047" cy="3218942"/>
+            <a:off x="4309221" y="821182"/>
+            <a:ext cx="1313876" cy="3218942"/>
           </a:xfrm>
           <a:prstGeom prst="bentConnector3">
             <a:avLst/>
@@ -7053,41 +6962,6 @@
           </a:fontRef>
         </p:style>
       </p:cxnSp>
-      <p:sp>
-        <p:nvSpPr>
-          <p:cNvPr id="126" name="CuadroTexto 125">
-            <a:extLst>
-              <a:ext uri="{FF2B5EF4-FFF2-40B4-BE49-F238E27FC236}">
-                <a16:creationId xmlns:a16="http://schemas.microsoft.com/office/drawing/2014/main" id="{D3E629AA-1E23-4EE2-BBE7-28B40A5D80F2}"/>
-              </a:ext>
-            </a:extLst>
-          </p:cNvPr>
-          <p:cNvSpPr txBox="1"/>
-          <p:nvPr/>
-        </p:nvSpPr>
-        <p:spPr>
-          <a:xfrm>
-            <a:off x="3308254" y="3704836"/>
-            <a:ext cx="348172" cy="369332"/>
-          </a:xfrm>
-          <a:prstGeom prst="rect">
-            <a:avLst/>
-          </a:prstGeom>
-          <a:noFill/>
-        </p:spPr>
-        <p:txBody>
-          <a:bodyPr wrap="none" rtlCol="0">
-            <a:spAutoFit/>
-          </a:bodyPr>
-          <a:lstStyle/>
-          <a:p>
-            <a:r>
-              <a:rPr lang="es-MX" dirty="0"/>
-              <a:t>SI</a:t>
-            </a:r>
-          </a:p>
-        </p:txBody>
-      </p:sp>
       <p:sp>
         <p:nvSpPr>
           <p:cNvPr id="127" name="CuadroTexto 126">
